--- a/sites/kulüptablo.pptx
+++ b/sites/kulüptablo.pptx
@@ -232,7 +232,7 @@
         <p:txBody>
           <a:bodyPr/>
           <a:p>
-            <a:fld id="{63127493-1A35-4BA1-B2DE-F236526B1396}" type="slidenum">
+            <a:fld id="{AE5A44A0-CABD-4CF5-8215-A1BF67B99D93}" type="slidenum">
               <a:t>&lt;#&gt;</a:t>
             </a:fld>
           </a:p>
@@ -753,7 +753,7 @@
             <a:pPr indent="0" algn="r">
               <a:buNone/>
             </a:pPr>
-            <a:fld id="{5E9C34D4-D303-4F54-8F76-507BB89B92E1}" type="slidenum">
+            <a:fld id="{0CE5176C-57FC-42D3-A9D7-4B777D8E4CA3}" type="slidenum">
               <a:rPr b="0" lang="tr-TR" sz="1400" spc="-1" strike="noStrike">
                 <a:solidFill>
                   <a:srgbClr val="000000"/>
@@ -783,6 +783,24 @@
 <file path=ppt/slides/slide1.xml><?xml version="1.0" encoding="utf-8"?>
 <p:sld xmlns:a="http://schemas.openxmlformats.org/drawingml/2006/main" xmlns:p="http://schemas.openxmlformats.org/presentationml/2006/main" xmlns:r="http://schemas.openxmlformats.org/officeDocument/2006/relationships" xmlns:p14="http://schemas.microsoft.com/office/powerpoint/2010/main" xmlns:p15="http://schemas.microsoft.com/office/powerpoint/2012/main" xmlns:mc="http://schemas.openxmlformats.org/markup-compatibility/2006">
   <p:cSld>
+    <p:bg>
+      <p:bgPr>
+        <a:gradFill rotWithShape="0">
+          <a:gsLst>
+            <a:gs pos="0">
+              <a:srgbClr val="dee6ef"/>
+            </a:gs>
+            <a:gs pos="50000">
+              <a:srgbClr val="e8f2a1"/>
+            </a:gs>
+            <a:gs pos="100000">
+              <a:srgbClr val="dee6ef"/>
+            </a:gs>
+          </a:gsLst>
+          <a:lin ang="3600000"/>
+        </a:gradFill>
+      </p:bgPr>
+    </p:bg>
     <p:spTree>
       <p:nvGrpSpPr>
         <p:cNvPr id="1" name=""/>
@@ -1227,6 +1245,15 @@
                       <a:pPr indent="0">
                         <a:buNone/>
                       </a:pPr>
+                      <a:r>
+                        <a:rPr b="0" lang="tr-TR" sz="1800" spc="-1" strike="noStrike">
+                          <a:solidFill>
+                            <a:srgbClr val="ffffff"/>
+                          </a:solidFill>
+                          <a:latin typeface="Noto Sans"/>
+                        </a:rPr>
+                        <a:t>Microsoft Siber Saldırısı</a:t>
+                      </a:r>
                       <a:endParaRPr b="0" lang="tr-TR" sz="1800" spc="-1" strike="noStrike">
                         <a:solidFill>
                           <a:srgbClr val="ffffff"/>
@@ -1394,7 +1421,16 @@
                       <a:pPr indent="0">
                         <a:buNone/>
                       </a:pPr>
-                      <a:endParaRPr b="0" lang="tr-TR" sz="1800" spc="-1" strike="noStrike">
+                      <a:r>
+                        <a:rPr b="0" lang="tr-TR" sz="1600" spc="-1" strike="noStrike">
+                          <a:solidFill>
+                            <a:srgbClr val="000000"/>
+                          </a:solidFill>
+                          <a:latin typeface="Noto Sans"/>
+                        </a:rPr>
+                        <a:t>340 milyon pps</a:t>
+                      </a:r>
+                      <a:endParaRPr b="0" lang="tr-TR" sz="1600" spc="-1" strike="noStrike">
                         <a:solidFill>
                           <a:srgbClr val="000000"/>
                         </a:solidFill>
